--- a/Presentaciones/0 - Presentación General.pptx
+++ b/Presentaciones/0 - Presentación General.pptx
@@ -7,12 +7,13 @@
   <p:sldIdLst>
     <p:sldId id="256" r:id="rId2"/>
     <p:sldId id="262" r:id="rId3"/>
-    <p:sldId id="257" r:id="rId4"/>
-    <p:sldId id="258" r:id="rId5"/>
-    <p:sldId id="260" r:id="rId6"/>
-    <p:sldId id="261" r:id="rId7"/>
-    <p:sldId id="264" r:id="rId8"/>
-    <p:sldId id="263" r:id="rId9"/>
+    <p:sldId id="265" r:id="rId4"/>
+    <p:sldId id="257" r:id="rId5"/>
+    <p:sldId id="258" r:id="rId6"/>
+    <p:sldId id="260" r:id="rId7"/>
+    <p:sldId id="261" r:id="rId8"/>
+    <p:sldId id="264" r:id="rId9"/>
+    <p:sldId id="263" r:id="rId10"/>
   </p:sldIdLst>
   <p:sldSz cx="12192000" cy="6858000"/>
   <p:notesSz cx="6858000" cy="9144000"/>
@@ -410,7 +411,7 @@
           <a:p>
             <a:fld id="{605C682F-05AF-4625-A0EC-0D4FFCA5E51C}" type="datetimeFigureOut">
               <a:rPr lang="es-CO" smtClean="0"/>
-              <a:t>1/08/2018</a:t>
+              <a:t>2/08/2018</a:t>
             </a:fld>
             <a:endParaRPr lang="es-CO"/>
           </a:p>
@@ -600,7 +601,7 @@
           <a:p>
             <a:fld id="{605C682F-05AF-4625-A0EC-0D4FFCA5E51C}" type="datetimeFigureOut">
               <a:rPr lang="es-CO" smtClean="0"/>
-              <a:t>1/08/2018</a:t>
+              <a:t>2/08/2018</a:t>
             </a:fld>
             <a:endParaRPr lang="es-CO"/>
           </a:p>
@@ -780,7 +781,7 @@
           <a:p>
             <a:fld id="{605C682F-05AF-4625-A0EC-0D4FFCA5E51C}" type="datetimeFigureOut">
               <a:rPr lang="es-CO" smtClean="0"/>
-              <a:t>1/08/2018</a:t>
+              <a:t>2/08/2018</a:t>
             </a:fld>
             <a:endParaRPr lang="es-CO"/>
           </a:p>
@@ -950,7 +951,7 @@
           <a:p>
             <a:fld id="{605C682F-05AF-4625-A0EC-0D4FFCA5E51C}" type="datetimeFigureOut">
               <a:rPr lang="es-CO" smtClean="0"/>
-              <a:t>1/08/2018</a:t>
+              <a:t>2/08/2018</a:t>
             </a:fld>
             <a:endParaRPr lang="es-CO"/>
           </a:p>
@@ -1206,7 +1207,7 @@
           <a:p>
             <a:fld id="{605C682F-05AF-4625-A0EC-0D4FFCA5E51C}" type="datetimeFigureOut">
               <a:rPr lang="es-CO" smtClean="0"/>
-              <a:t>1/08/2018</a:t>
+              <a:t>2/08/2018</a:t>
             </a:fld>
             <a:endParaRPr lang="es-CO"/>
           </a:p>
@@ -1494,7 +1495,7 @@
           <a:p>
             <a:fld id="{605C682F-05AF-4625-A0EC-0D4FFCA5E51C}" type="datetimeFigureOut">
               <a:rPr lang="es-CO" smtClean="0"/>
-              <a:t>1/08/2018</a:t>
+              <a:t>2/08/2018</a:t>
             </a:fld>
             <a:endParaRPr lang="es-CO"/>
           </a:p>
@@ -1932,7 +1933,7 @@
           <a:p>
             <a:fld id="{605C682F-05AF-4625-A0EC-0D4FFCA5E51C}" type="datetimeFigureOut">
               <a:rPr lang="es-CO" smtClean="0"/>
-              <a:t>1/08/2018</a:t>
+              <a:t>2/08/2018</a:t>
             </a:fld>
             <a:endParaRPr lang="es-CO"/>
           </a:p>
@@ -2050,7 +2051,7 @@
           <a:p>
             <a:fld id="{605C682F-05AF-4625-A0EC-0D4FFCA5E51C}" type="datetimeFigureOut">
               <a:rPr lang="es-CO" smtClean="0"/>
-              <a:t>1/08/2018</a:t>
+              <a:t>2/08/2018</a:t>
             </a:fld>
             <a:endParaRPr lang="es-CO"/>
           </a:p>
@@ -2145,7 +2146,7 @@
           <a:p>
             <a:fld id="{605C682F-05AF-4625-A0EC-0D4FFCA5E51C}" type="datetimeFigureOut">
               <a:rPr lang="es-CO" smtClean="0"/>
-              <a:t>1/08/2018</a:t>
+              <a:t>2/08/2018</a:t>
             </a:fld>
             <a:endParaRPr lang="es-CO"/>
           </a:p>
@@ -2501,7 +2502,7 @@
           <a:p>
             <a:fld id="{605C682F-05AF-4625-A0EC-0D4FFCA5E51C}" type="datetimeFigureOut">
               <a:rPr lang="es-CO" smtClean="0"/>
-              <a:t>1/08/2018</a:t>
+              <a:t>2/08/2018</a:t>
             </a:fld>
             <a:endParaRPr lang="es-CO"/>
           </a:p>
@@ -2817,7 +2818,7 @@
           <a:p>
             <a:fld id="{605C682F-05AF-4625-A0EC-0D4FFCA5E51C}" type="datetimeFigureOut">
               <a:rPr lang="es-CO" smtClean="0"/>
-              <a:t>1/08/2018</a:t>
+              <a:t>2/08/2018</a:t>
             </a:fld>
             <a:endParaRPr lang="es-CO"/>
           </a:p>
@@ -3050,7 +3051,7 @@
           <a:p>
             <a:fld id="{605C682F-05AF-4625-A0EC-0D4FFCA5E51C}" type="datetimeFigureOut">
               <a:rPr lang="es-CO" smtClean="0"/>
-              <a:t>1/08/2018</a:t>
+              <a:t>2/08/2018</a:t>
             </a:fld>
             <a:endParaRPr lang="es-CO"/>
           </a:p>
@@ -4023,7 +4024,7 @@
           <p:cNvPr id="2" name="Título 1">
             <a:extLst>
               <a:ext uri="{FF2B5EF4-FFF2-40B4-BE49-F238E27FC236}">
-                <a16:creationId xmlns:a16="http://schemas.microsoft.com/office/drawing/2014/main" id="{14B2C90D-C494-4D69-8796-45E083B27742}"/>
+                <a16:creationId xmlns:a16="http://schemas.microsoft.com/office/drawing/2014/main" id="{6F3D3D4A-80EA-41E8-90F7-5E693F7B469D}"/>
               </a:ext>
             </a:extLst>
           </p:cNvPr>
@@ -4041,7 +4042,7 @@
           <a:p>
             <a:r>
               <a:rPr lang="es-CO" dirty="0"/>
-              <a:t>Requisitos</a:t>
+              <a:t>Contacto</a:t>
             </a:r>
           </a:p>
         </p:txBody>
@@ -4051,7 +4052,7 @@
           <p:cNvPr id="3" name="Marcador de contenido 2">
             <a:extLst>
               <a:ext uri="{FF2B5EF4-FFF2-40B4-BE49-F238E27FC236}">
-                <a16:creationId xmlns:a16="http://schemas.microsoft.com/office/drawing/2014/main" id="{210E622D-A325-4CCE-83D8-2AB2F493F475}"/>
+                <a16:creationId xmlns:a16="http://schemas.microsoft.com/office/drawing/2014/main" id="{F808C2F3-0417-4EF0-A5BE-9793CBE2C5AA}"/>
               </a:ext>
             </a:extLst>
           </p:cNvPr>
@@ -4067,53 +4068,36 @@
           <a:bodyPr/>
           <a:lstStyle/>
           <a:p>
-            <a:pPr marL="0" indent="0">
-              <a:buNone/>
-            </a:pPr>
             <a:r>
               <a:rPr lang="es-CO" dirty="0"/>
-              <a:t>Correo Electrónico Unitrópico</a:t>
-            </a:r>
-          </a:p>
-          <a:p>
-            <a:pPr marL="0" indent="0">
-              <a:buNone/>
-            </a:pPr>
+              <a:t>Email: </a:t>
+            </a:r>
+            <a:r>
+              <a:rPr lang="es-CO" dirty="0">
+                <a:hlinkClick r:id="rId2"/>
+              </a:rPr>
+              <a:t>juanpareja@unitropico.edu.co</a:t>
+            </a:r>
+            <a:endParaRPr lang="es-CO" dirty="0"/>
+          </a:p>
+          <a:p>
             <a:r>
               <a:rPr lang="es-CO" dirty="0"/>
-              <a:t>Registro GitHub</a:t>
-            </a:r>
-          </a:p>
-          <a:p>
-            <a:pPr marL="0" indent="0">
-              <a:buNone/>
-            </a:pPr>
+              <a:t>Tel: 3214914812</a:t>
+            </a:r>
+          </a:p>
+          <a:p>
             <a:r>
               <a:rPr lang="es-CO" dirty="0"/>
-              <a:t>Registro en Visual Studio Dev Essentials</a:t>
-            </a:r>
-          </a:p>
-          <a:p>
-            <a:pPr marL="0" indent="0">
-              <a:buNone/>
-            </a:pPr>
-            <a:r>
-              <a:rPr lang="es-CO" dirty="0"/>
-              <a:t>Registro en EducaJunto</a:t>
-            </a:r>
-          </a:p>
-          <a:p>
-            <a:pPr marL="0" indent="0">
-              <a:buNone/>
-            </a:pPr>
-            <a:endParaRPr lang="es-CO" dirty="0"/>
+              <a:t>Dirección: Carrera 25 # 12 – 53 CreApps</a:t>
+            </a:r>
           </a:p>
         </p:txBody>
       </p:sp>
     </p:spTree>
     <p:extLst>
       <p:ext uri="{BB962C8B-B14F-4D97-AF65-F5344CB8AC3E}">
-        <p14:creationId xmlns:p14="http://schemas.microsoft.com/office/powerpoint/2010/main" val="935060531"/>
+        <p14:creationId xmlns:p14="http://schemas.microsoft.com/office/powerpoint/2010/main" val="154734339"/>
       </p:ext>
     </p:extLst>
   </p:cSld>
@@ -4145,7 +4129,7 @@
           <p:cNvPr id="2" name="Título 1">
             <a:extLst>
               <a:ext uri="{FF2B5EF4-FFF2-40B4-BE49-F238E27FC236}">
-                <a16:creationId xmlns:a16="http://schemas.microsoft.com/office/drawing/2014/main" id="{7CF0DA64-277A-4C21-9C61-EEAEA573EBD1}"/>
+                <a16:creationId xmlns:a16="http://schemas.microsoft.com/office/drawing/2014/main" id="{14B2C90D-C494-4D69-8796-45E083B27742}"/>
               </a:ext>
             </a:extLst>
           </p:cNvPr>
@@ -4163,7 +4147,7 @@
           <a:p>
             <a:r>
               <a:rPr lang="es-CO" dirty="0"/>
-              <a:t>Correo Unitrópico</a:t>
+              <a:t>Requisitos</a:t>
             </a:r>
           </a:p>
         </p:txBody>
@@ -4173,7 +4157,7 @@
           <p:cNvPr id="3" name="Marcador de contenido 2">
             <a:extLst>
               <a:ext uri="{FF2B5EF4-FFF2-40B4-BE49-F238E27FC236}">
-                <a16:creationId xmlns:a16="http://schemas.microsoft.com/office/drawing/2014/main" id="{314ECE10-1D13-4796-B149-4FB3BFB33573}"/>
+                <a16:creationId xmlns:a16="http://schemas.microsoft.com/office/drawing/2014/main" id="{210E622D-A325-4CCE-83D8-2AB2F493F475}"/>
               </a:ext>
             </a:extLst>
           </p:cNvPr>
@@ -4189,31 +4173,44 @@
           <a:bodyPr/>
           <a:lstStyle/>
           <a:p>
-            <a:pPr marL="457200" indent="-457200">
-              <a:buFont typeface="+mj-lt"/>
-              <a:buAutoNum type="arabicPeriod"/>
+            <a:pPr marL="0" indent="0">
+              <a:buNone/>
             </a:pPr>
             <a:r>
               <a:rPr lang="es-CO" dirty="0"/>
-              <a:t>Solicitud / Acceso al Correo @unitropico.edu.co</a:t>
-            </a:r>
-          </a:p>
-          <a:p>
-            <a:pPr marL="457200" indent="-457200">
-              <a:buFont typeface="+mj-lt"/>
-              <a:buAutoNum type="arabicPeriod"/>
+              <a:t>Correo Electrónico Unitrópico</a:t>
+            </a:r>
+          </a:p>
+          <a:p>
+            <a:pPr marL="0" indent="0">
+              <a:buNone/>
             </a:pPr>
             <a:r>
               <a:rPr lang="es-CO" dirty="0"/>
-              <a:t>Envío de un correo electrónico a juanpareja@unitropico.edu.co</a:t>
-            </a:r>
+              <a:t>Registro GitHub</a:t>
+            </a:r>
+          </a:p>
+          <a:p>
+            <a:pPr marL="0" indent="0">
+              <a:buNone/>
+            </a:pPr>
+            <a:r>
+              <a:rPr lang="es-CO" dirty="0"/>
+              <a:t>Registro en Visual Studio Dev Essentials</a:t>
+            </a:r>
+          </a:p>
+          <a:p>
+            <a:pPr marL="0" indent="0">
+              <a:buNone/>
+            </a:pPr>
+            <a:endParaRPr lang="es-CO" dirty="0"/>
           </a:p>
         </p:txBody>
       </p:sp>
     </p:spTree>
     <p:extLst>
       <p:ext uri="{BB962C8B-B14F-4D97-AF65-F5344CB8AC3E}">
-        <p14:creationId xmlns:p14="http://schemas.microsoft.com/office/powerpoint/2010/main" val="2440667542"/>
+        <p14:creationId xmlns:p14="http://schemas.microsoft.com/office/powerpoint/2010/main" val="935060531"/>
       </p:ext>
     </p:extLst>
   </p:cSld>
@@ -4245,7 +4242,7 @@
           <p:cNvPr id="2" name="Título 1">
             <a:extLst>
               <a:ext uri="{FF2B5EF4-FFF2-40B4-BE49-F238E27FC236}">
-                <a16:creationId xmlns:a16="http://schemas.microsoft.com/office/drawing/2014/main" id="{2220385D-15A5-4DBF-A659-1E875DA0D0E8}"/>
+                <a16:creationId xmlns:a16="http://schemas.microsoft.com/office/drawing/2014/main" id="{7CF0DA64-277A-4C21-9C61-EEAEA573EBD1}"/>
               </a:ext>
             </a:extLst>
           </p:cNvPr>
@@ -4263,7 +4260,7 @@
           <a:p>
             <a:r>
               <a:rPr lang="es-CO" dirty="0"/>
-              <a:t>Registro en GitHub</a:t>
+              <a:t>Correo Unitrópico</a:t>
             </a:r>
           </a:p>
         </p:txBody>
@@ -4273,7 +4270,7 @@
           <p:cNvPr id="3" name="Marcador de contenido 2">
             <a:extLst>
               <a:ext uri="{FF2B5EF4-FFF2-40B4-BE49-F238E27FC236}">
-                <a16:creationId xmlns:a16="http://schemas.microsoft.com/office/drawing/2014/main" id="{8988EAB0-9726-40EC-ACBC-C90B349B8356}"/>
+                <a16:creationId xmlns:a16="http://schemas.microsoft.com/office/drawing/2014/main" id="{314ECE10-1D13-4796-B149-4FB3BFB33573}"/>
               </a:ext>
             </a:extLst>
           </p:cNvPr>
@@ -4295,17 +4292,7 @@
             </a:pPr>
             <a:r>
               <a:rPr lang="es-CO" dirty="0"/>
-              <a:t>Registrarse en </a:t>
-            </a:r>
-            <a:r>
-              <a:rPr lang="es-CO" dirty="0">
-                <a:hlinkClick r:id="rId2"/>
-              </a:rPr>
-              <a:t>https://github.com/</a:t>
-            </a:r>
-            <a:r>
-              <a:rPr lang="es-CO" dirty="0"/>
-              <a:t> </a:t>
+              <a:t>Solicitud / Acceso al Correo @unitropico.edu.co</a:t>
             </a:r>
           </a:p>
           <a:p>
@@ -4315,37 +4302,7 @@
             </a:pPr>
             <a:r>
               <a:rPr lang="es-CO" dirty="0"/>
-              <a:t>Crear un nombre de usuario (medianamente entendible)</a:t>
-            </a:r>
-          </a:p>
-          <a:p>
-            <a:pPr marL="457200" indent="-457200">
-              <a:buFont typeface="+mj-lt"/>
-              <a:buAutoNum type="arabicPeriod"/>
-            </a:pPr>
-            <a:r>
-              <a:rPr lang="es-CO" dirty="0"/>
-              <a:t>Desarrollar este curso </a:t>
-            </a:r>
-            <a:r>
-              <a:rPr lang="es-CO" dirty="0">
-                <a:hlinkClick r:id="rId3"/>
-              </a:rPr>
-              <a:t>https://apps.co/cursos/appsco-curso-profesional-de-git-y-github/</a:t>
-            </a:r>
-            <a:r>
-              <a:rPr lang="es-CO" dirty="0"/>
-              <a:t> </a:t>
-            </a:r>
-          </a:p>
-          <a:p>
-            <a:pPr marL="457200" indent="-457200">
-              <a:buFont typeface="+mj-lt"/>
-              <a:buAutoNum type="arabicPeriod"/>
-            </a:pPr>
-            <a:r>
-              <a:rPr lang="es-CO" dirty="0"/>
-              <a:t>Plazo Máximo para envió del Certificado (15 días después de iniciada la clase)</a:t>
+              <a:t>Envío de un correo electrónico a juanpareja@unitropico.edu.co</a:t>
             </a:r>
           </a:p>
         </p:txBody>
@@ -4353,7 +4310,7 @@
     </p:spTree>
     <p:extLst>
       <p:ext uri="{BB962C8B-B14F-4D97-AF65-F5344CB8AC3E}">
-        <p14:creationId xmlns:p14="http://schemas.microsoft.com/office/powerpoint/2010/main" val="483675379"/>
+        <p14:creationId xmlns:p14="http://schemas.microsoft.com/office/powerpoint/2010/main" val="2440667542"/>
       </p:ext>
     </p:extLst>
   </p:cSld>
@@ -4385,7 +4342,7 @@
           <p:cNvPr id="2" name="Título 1">
             <a:extLst>
               <a:ext uri="{FF2B5EF4-FFF2-40B4-BE49-F238E27FC236}">
-                <a16:creationId xmlns:a16="http://schemas.microsoft.com/office/drawing/2014/main" id="{CE3AEA36-422B-4007-A65B-691C868E8785}"/>
+                <a16:creationId xmlns:a16="http://schemas.microsoft.com/office/drawing/2014/main" id="{2220385D-15A5-4DBF-A659-1E875DA0D0E8}"/>
               </a:ext>
             </a:extLst>
           </p:cNvPr>
@@ -4403,7 +4360,7 @@
           <a:p>
             <a:r>
               <a:rPr lang="es-CO" dirty="0"/>
-              <a:t>Registro en Visual Studio Dev Essentials</a:t>
+              <a:t>Registro en GitHub</a:t>
             </a:r>
           </a:p>
         </p:txBody>
@@ -4413,7 +4370,7 @@
           <p:cNvPr id="3" name="Marcador de contenido 2">
             <a:extLst>
               <a:ext uri="{FF2B5EF4-FFF2-40B4-BE49-F238E27FC236}">
-                <a16:creationId xmlns:a16="http://schemas.microsoft.com/office/drawing/2014/main" id="{E8F4FF44-710D-48D2-BF91-D4BCE1354C61}"/>
+                <a16:creationId xmlns:a16="http://schemas.microsoft.com/office/drawing/2014/main" id="{8988EAB0-9726-40EC-ACBC-C90B349B8356}"/>
               </a:ext>
             </a:extLst>
           </p:cNvPr>
@@ -4441,7 +4398,7 @@
               <a:rPr lang="es-CO" dirty="0">
                 <a:hlinkClick r:id="rId2"/>
               </a:rPr>
-              <a:t>https://www.visualstudio.com/dev-essentials/</a:t>
+              <a:t>https://github.com/</a:t>
             </a:r>
             <a:r>
               <a:rPr lang="es-CO" dirty="0"/>
@@ -4455,7 +4412,37 @@
             </a:pPr>
             <a:r>
               <a:rPr lang="es-CO" dirty="0"/>
-              <a:t>Descargar e Instalar Visual Studio Code</a:t>
+              <a:t>Crear un nombre de usuario (medianamente entendible)</a:t>
+            </a:r>
+          </a:p>
+          <a:p>
+            <a:pPr marL="457200" indent="-457200">
+              <a:buFont typeface="+mj-lt"/>
+              <a:buAutoNum type="arabicPeriod"/>
+            </a:pPr>
+            <a:r>
+              <a:rPr lang="es-CO" dirty="0"/>
+              <a:t>Desarrollar este curso </a:t>
+            </a:r>
+            <a:r>
+              <a:rPr lang="es-CO" dirty="0">
+                <a:hlinkClick r:id="rId3"/>
+              </a:rPr>
+              <a:t>https://apps.co/cursos/appsco-curso-profesional-de-git-y-github/</a:t>
+            </a:r>
+            <a:r>
+              <a:rPr lang="es-CO" dirty="0"/>
+              <a:t> </a:t>
+            </a:r>
+          </a:p>
+          <a:p>
+            <a:pPr marL="457200" indent="-457200">
+              <a:buFont typeface="+mj-lt"/>
+              <a:buAutoNum type="arabicPeriod"/>
+            </a:pPr>
+            <a:r>
+              <a:rPr lang="es-CO" dirty="0"/>
+              <a:t>Plazo Máximo para envió del Certificado (15 días después de iniciada la clase)</a:t>
             </a:r>
           </a:p>
         </p:txBody>
@@ -4463,7 +4450,7 @@
     </p:spTree>
     <p:extLst>
       <p:ext uri="{BB962C8B-B14F-4D97-AF65-F5344CB8AC3E}">
-        <p14:creationId xmlns:p14="http://schemas.microsoft.com/office/powerpoint/2010/main" val="1584519847"/>
+        <p14:creationId xmlns:p14="http://schemas.microsoft.com/office/powerpoint/2010/main" val="483675379"/>
       </p:ext>
     </p:extLst>
   </p:cSld>
@@ -4573,6 +4560,116 @@
     </p:spTree>
     <p:extLst>
       <p:ext uri="{BB962C8B-B14F-4D97-AF65-F5344CB8AC3E}">
+        <p14:creationId xmlns:p14="http://schemas.microsoft.com/office/powerpoint/2010/main" val="1584519847"/>
+      </p:ext>
+    </p:extLst>
+  </p:cSld>
+  <p:clrMapOvr>
+    <a:masterClrMapping/>
+  </p:clrMapOvr>
+</p:sld>
+</file>
+
+<file path=ppt/slides/slide8.xml><?xml version="1.0" encoding="utf-8"?>
+<p:sld xmlns:a="http://schemas.openxmlformats.org/drawingml/2006/main" xmlns:r="http://schemas.openxmlformats.org/officeDocument/2006/relationships" xmlns:p="http://schemas.openxmlformats.org/presentationml/2006/main">
+  <p:cSld>
+    <p:spTree>
+      <p:nvGrpSpPr>
+        <p:cNvPr id="1" name=""/>
+        <p:cNvGrpSpPr/>
+        <p:nvPr/>
+      </p:nvGrpSpPr>
+      <p:grpSpPr>
+        <a:xfrm>
+          <a:off x="0" y="0"/>
+          <a:ext cx="0" cy="0"/>
+          <a:chOff x="0" y="0"/>
+          <a:chExt cx="0" cy="0"/>
+        </a:xfrm>
+      </p:grpSpPr>
+      <p:sp>
+        <p:nvSpPr>
+          <p:cNvPr id="2" name="Título 1">
+            <a:extLst>
+              <a:ext uri="{FF2B5EF4-FFF2-40B4-BE49-F238E27FC236}">
+                <a16:creationId xmlns:a16="http://schemas.microsoft.com/office/drawing/2014/main" id="{CE3AEA36-422B-4007-A65B-691C868E8785}"/>
+              </a:ext>
+            </a:extLst>
+          </p:cNvPr>
+          <p:cNvSpPr>
+            <a:spLocks noGrp="1"/>
+          </p:cNvSpPr>
+          <p:nvPr>
+            <p:ph type="title"/>
+          </p:nvPr>
+        </p:nvSpPr>
+        <p:spPr/>
+        <p:txBody>
+          <a:bodyPr/>
+          <a:lstStyle/>
+          <a:p>
+            <a:r>
+              <a:rPr lang="es-CO" dirty="0"/>
+              <a:t>Registro en Visual Studio Dev Essentials</a:t>
+            </a:r>
+          </a:p>
+        </p:txBody>
+      </p:sp>
+      <p:sp>
+        <p:nvSpPr>
+          <p:cNvPr id="3" name="Marcador de contenido 2">
+            <a:extLst>
+              <a:ext uri="{FF2B5EF4-FFF2-40B4-BE49-F238E27FC236}">
+                <a16:creationId xmlns:a16="http://schemas.microsoft.com/office/drawing/2014/main" id="{E8F4FF44-710D-48D2-BF91-D4BCE1354C61}"/>
+              </a:ext>
+            </a:extLst>
+          </p:cNvPr>
+          <p:cNvSpPr>
+            <a:spLocks noGrp="1"/>
+          </p:cNvSpPr>
+          <p:nvPr>
+            <p:ph idx="1"/>
+          </p:nvPr>
+        </p:nvSpPr>
+        <p:spPr/>
+        <p:txBody>
+          <a:bodyPr/>
+          <a:lstStyle/>
+          <a:p>
+            <a:pPr marL="457200" indent="-457200">
+              <a:buFont typeface="+mj-lt"/>
+              <a:buAutoNum type="arabicPeriod"/>
+            </a:pPr>
+            <a:r>
+              <a:rPr lang="es-CO" dirty="0"/>
+              <a:t>Registrarse en </a:t>
+            </a:r>
+            <a:r>
+              <a:rPr lang="es-CO" dirty="0">
+                <a:hlinkClick r:id="rId2"/>
+              </a:rPr>
+              <a:t>https://www.visualstudio.com/dev-essentials/</a:t>
+            </a:r>
+            <a:r>
+              <a:rPr lang="es-CO" dirty="0"/>
+              <a:t> </a:t>
+            </a:r>
+          </a:p>
+          <a:p>
+            <a:pPr marL="457200" indent="-457200">
+              <a:buFont typeface="+mj-lt"/>
+              <a:buAutoNum type="arabicPeriod"/>
+            </a:pPr>
+            <a:r>
+              <a:rPr lang="es-CO" dirty="0"/>
+              <a:t>Descargar e Instalar Visual Studio Code</a:t>
+            </a:r>
+          </a:p>
+        </p:txBody>
+      </p:sp>
+    </p:spTree>
+    <p:extLst>
+      <p:ext uri="{BB962C8B-B14F-4D97-AF65-F5344CB8AC3E}">
         <p14:creationId xmlns:p14="http://schemas.microsoft.com/office/powerpoint/2010/main" val="2643224836"/>
       </p:ext>
     </p:extLst>
@@ -4583,7 +4680,7 @@
 </p:sld>
 </file>
 
-<file path=ppt/slides/slide8.xml><?xml version="1.0" encoding="utf-8"?>
+<file path=ppt/slides/slide9.xml><?xml version="1.0" encoding="utf-8"?>
 <p:sld xmlns:a="http://schemas.openxmlformats.org/drawingml/2006/main" xmlns:r="http://schemas.openxmlformats.org/officeDocument/2006/relationships" xmlns:p="http://schemas.openxmlformats.org/presentationml/2006/main">
   <p:cSld>
     <p:spTree>
